--- a/Notes/Powerpoints/Mediator.pptx
+++ b/Notes/Powerpoints/Mediator.pptx
@@ -6215,7 +6215,7 @@
           <a:p>
             <a:r>
               <a:rPr lang="en-US" dirty="0"/>
-              <a:t>What is your favorite video game/board game?</a:t>
+              <a:t>What, at all, is your favorite part of the quarantine?</a:t>
             </a:r>
           </a:p>
           <a:p>
@@ -6454,7 +6454,7 @@
             </a:r>
             <a:r>
               <a:rPr lang="en-US" dirty="0"/>
-              <a:t> interface, it is aware of it’s </a:t>
+              <a:t> interface, it is aware of its </a:t>
             </a:r>
             <a:r>
               <a:rPr lang="en-US" b="1" dirty="0"/>
@@ -6476,11 +6476,11 @@
             </a:r>
             <a:r>
               <a:rPr lang="en-US" b="1" dirty="0"/>
-              <a:t>Mediator</a:t>
+              <a:t>Mediator;</a:t>
             </a:r>
             <a:r>
               <a:rPr lang="en-US" dirty="0"/>
-              <a:t>, they are unaware of their fellow </a:t>
+              <a:t> they are unaware of their fellow </a:t>
             </a:r>
             <a:r>
               <a:rPr lang="en-US" b="1" dirty="0"/>
@@ -6585,15 +6585,7 @@
           <a:p>
             <a:r>
               <a:rPr lang="en-US" dirty="0"/>
-              <a:t>You have a set of objects that require communicating with each other for the feature to work (</a:t>
-            </a:r>
-            <a:r>
-              <a:rPr lang="en-US" dirty="0" err="1"/>
-              <a:t>ie</a:t>
-            </a:r>
-            <a:r>
-              <a:rPr lang="en-US" dirty="0"/>
-              <a:t> dialog with fields/buttons/</a:t>
+              <a:t>You have a set of objects that require communicating with each other for the feature to work (i.e. dialog with fields/buttons/</a:t>
             </a:r>
             <a:r>
               <a:rPr lang="en-US" dirty="0" err="1"/>
@@ -6723,7 +6715,7 @@
           <a:p>
             <a:r>
               <a:rPr lang="en-US" dirty="0"/>
-              <a:t>Decouples Colleagues: Every Colleague is unaware of its fellow Colleagues results in decoupling, it does not need to know about the functionality that its fellow Colleagues has. </a:t>
+              <a:t>Decouples Colleagues: Every Colleague is unaware of its fellow Colleagues results in decoupling; it does not need to know about the functionality that its fellow Colleagues has. </a:t>
             </a:r>
           </a:p>
           <a:p>
@@ -6735,13 +6727,8 @@
           <a:p>
             <a:r>
               <a:rPr lang="en-US" dirty="0"/>
-              <a:t>Abstract how Colleagues cooperate: By encapsulating all the logic of the interactions between Colleagues, you simplify how </a:t>
-            </a:r>
-            <a:r>
-              <a:rPr lang="en-US"/>
-              <a:t>objects interact in the system.</a:t>
-            </a:r>
-            <a:endParaRPr lang="en-US" dirty="0"/>
+              <a:t>Abstract how Colleagues cooperate: By encapsulating all the logic of the interactions between Colleagues, you simplify how objects interact in the system.</a:t>
+            </a:r>
           </a:p>
           <a:p>
             <a:endParaRPr lang="en-US" dirty="0"/>
